--- a/Slides/Final_Project_Report.pptx
+++ b/Slides/Final_Project_Report.pptx
@@ -212,7 +212,7 @@
           <a:p>
             <a:fld id="{0D4E9BBD-C510-40D9-9098-7F2DFBEC5149}" type="datetimeFigureOut">
               <a:rPr lang="zh-CN" altLang="en-US" smtClean="0"/>
-              <a:t>2023/12/4</a:t>
+              <a:t>2023/12/5</a:t>
             </a:fld>
             <a:endParaRPr lang="zh-CN" altLang="en-US"/>
           </a:p>
@@ -1992,7 +1992,7 @@
           <a:p>
             <a:fld id="{C796B73E-3DAA-4E82-8AC5-A8A8C26943AC}" type="datetimeFigureOut">
               <a:rPr lang="zh-CN" altLang="en-US" smtClean="0"/>
-              <a:t>2023/12/4</a:t>
+              <a:t>2023/12/5</a:t>
             </a:fld>
             <a:endParaRPr lang="zh-CN" altLang="en-US"/>
           </a:p>
@@ -2190,7 +2190,7 @@
           <a:p>
             <a:fld id="{C796B73E-3DAA-4E82-8AC5-A8A8C26943AC}" type="datetimeFigureOut">
               <a:rPr lang="zh-CN" altLang="en-US" smtClean="0"/>
-              <a:t>2023/12/4</a:t>
+              <a:t>2023/12/5</a:t>
             </a:fld>
             <a:endParaRPr lang="zh-CN" altLang="en-US"/>
           </a:p>
@@ -2398,7 +2398,7 @@
           <a:p>
             <a:fld id="{C796B73E-3DAA-4E82-8AC5-A8A8C26943AC}" type="datetimeFigureOut">
               <a:rPr lang="zh-CN" altLang="en-US" smtClean="0"/>
-              <a:t>2023/12/4</a:t>
+              <a:t>2023/12/5</a:t>
             </a:fld>
             <a:endParaRPr lang="zh-CN" altLang="en-US"/>
           </a:p>
@@ -2596,7 +2596,7 @@
           <a:p>
             <a:fld id="{C796B73E-3DAA-4E82-8AC5-A8A8C26943AC}" type="datetimeFigureOut">
               <a:rPr lang="zh-CN" altLang="en-US" smtClean="0"/>
-              <a:t>2023/12/4</a:t>
+              <a:t>2023/12/5</a:t>
             </a:fld>
             <a:endParaRPr lang="zh-CN" altLang="en-US"/>
           </a:p>
@@ -2871,7 +2871,7 @@
           <a:p>
             <a:fld id="{C796B73E-3DAA-4E82-8AC5-A8A8C26943AC}" type="datetimeFigureOut">
               <a:rPr lang="zh-CN" altLang="en-US" smtClean="0"/>
-              <a:t>2023/12/4</a:t>
+              <a:t>2023/12/5</a:t>
             </a:fld>
             <a:endParaRPr lang="zh-CN" altLang="en-US"/>
           </a:p>
@@ -3136,7 +3136,7 @@
           <a:p>
             <a:fld id="{C796B73E-3DAA-4E82-8AC5-A8A8C26943AC}" type="datetimeFigureOut">
               <a:rPr lang="zh-CN" altLang="en-US" smtClean="0"/>
-              <a:t>2023/12/4</a:t>
+              <a:t>2023/12/5</a:t>
             </a:fld>
             <a:endParaRPr lang="zh-CN" altLang="en-US"/>
           </a:p>
@@ -3548,7 +3548,7 @@
           <a:p>
             <a:fld id="{C796B73E-3DAA-4E82-8AC5-A8A8C26943AC}" type="datetimeFigureOut">
               <a:rPr lang="zh-CN" altLang="en-US" smtClean="0"/>
-              <a:t>2023/12/4</a:t>
+              <a:t>2023/12/5</a:t>
             </a:fld>
             <a:endParaRPr lang="zh-CN" altLang="en-US"/>
           </a:p>
@@ -3689,7 +3689,7 @@
           <a:p>
             <a:fld id="{C796B73E-3DAA-4E82-8AC5-A8A8C26943AC}" type="datetimeFigureOut">
               <a:rPr lang="zh-CN" altLang="en-US" smtClean="0"/>
-              <a:t>2023/12/4</a:t>
+              <a:t>2023/12/5</a:t>
             </a:fld>
             <a:endParaRPr lang="zh-CN" altLang="en-US"/>
           </a:p>
@@ -3802,7 +3802,7 @@
           <a:p>
             <a:fld id="{C796B73E-3DAA-4E82-8AC5-A8A8C26943AC}" type="datetimeFigureOut">
               <a:rPr lang="zh-CN" altLang="en-US" smtClean="0"/>
-              <a:t>2023/12/4</a:t>
+              <a:t>2023/12/5</a:t>
             </a:fld>
             <a:endParaRPr lang="zh-CN" altLang="en-US"/>
           </a:p>
@@ -4113,7 +4113,7 @@
           <a:p>
             <a:fld id="{C796B73E-3DAA-4E82-8AC5-A8A8C26943AC}" type="datetimeFigureOut">
               <a:rPr lang="zh-CN" altLang="en-US" smtClean="0"/>
-              <a:t>2023/12/4</a:t>
+              <a:t>2023/12/5</a:t>
             </a:fld>
             <a:endParaRPr lang="zh-CN" altLang="en-US"/>
           </a:p>
@@ -4401,7 +4401,7 @@
           <a:p>
             <a:fld id="{C796B73E-3DAA-4E82-8AC5-A8A8C26943AC}" type="datetimeFigureOut">
               <a:rPr lang="zh-CN" altLang="en-US" smtClean="0"/>
-              <a:t>2023/12/4</a:t>
+              <a:t>2023/12/5</a:t>
             </a:fld>
             <a:endParaRPr lang="zh-CN" altLang="en-US"/>
           </a:p>
@@ -4642,7 +4642,7 @@
           <a:p>
             <a:fld id="{C796B73E-3DAA-4E82-8AC5-A8A8C26943AC}" type="datetimeFigureOut">
               <a:rPr lang="zh-CN" altLang="en-US" smtClean="0"/>
-              <a:t>2023/12/4</a:t>
+              <a:t>2023/12/5</a:t>
             </a:fld>
             <a:endParaRPr lang="zh-CN" altLang="en-US"/>
           </a:p>
@@ -5096,7 +5096,15 @@
             </a:br>
             <a:r>
               <a:rPr lang="en-US" altLang="zh-CN" dirty="0"/>
-              <a:t>-Prompt Engineering</a:t>
+              <a:t>by</a:t>
+            </a:r>
+            <a:r>
+              <a:rPr lang="zh-CN" altLang="en-US" dirty="0"/>
+              <a:t> </a:t>
+            </a:r>
+            <a:r>
+              <a:rPr lang="en-US" altLang="zh-CN" dirty="0"/>
+              <a:t>Prompt Engineering</a:t>
             </a:r>
             <a:endParaRPr lang="zh-CN" altLang="en-US" dirty="0"/>
           </a:p>
@@ -5774,7 +5782,7 @@
           <a:p>
             <a:r>
               <a:rPr lang="en-US" altLang="zh-CN" sz="4000" dirty="0"/>
-              <a:t>Traditional methods of analyzing, such as randoop, is not efficient enough. The main three disadvantages are randomness, lack of logical explanation and constrains of programming languages. </a:t>
+              <a:t>Traditional methods of analyzing, such as randoop and fuzz testing, is not efficient enough. The main three disadvantages are randomness, lack of logical explanation and constrains of programming languages. </a:t>
             </a:r>
           </a:p>
           <a:p>
@@ -6081,7 +6089,19 @@
             </a:r>
             <a:r>
               <a:rPr lang="en-US" altLang="zh-CN" sz="3200" dirty="0"/>
-              <a:t>, it leads to understand the class and figure out what is related to the class(e.g. other class or packages). If we are not using the strong-type programming language(such as C++), we only get to know what the type of the data is in runtime. Prompt generation aims to solve this problem.</a:t>
+              <a:t>, it leads to understand the class and figure out what is related to the class(e.g. other class or packages). If we are not using the strong-type programming language(such as C++), we only get to know </a:t>
+            </a:r>
+            <a:r>
+              <a:rPr lang="en-US" altLang="zh-CN" sz="3200" dirty="0">
+                <a:solidFill>
+                  <a:srgbClr val="FF0000"/>
+                </a:solidFill>
+              </a:rPr>
+              <a:t>what the type of the data is </a:t>
+            </a:r>
+            <a:r>
+              <a:rPr lang="en-US" altLang="zh-CN" sz="3200" dirty="0"/>
+              <a:t>in runtime. Prompt generation aims to solve this problem.</a:t>
             </a:r>
           </a:p>
           <a:p>
